--- a/April_2017/Devopedia_Apr22/Python Talk.pptx
+++ b/April_2017/Devopedia_Apr22/Python Talk.pptx
@@ -5,7 +5,7 @@
     <p:sldMasterId id="2147483890" r:id="rId1"/>
   </p:sldMasterIdLst>
   <p:notesMasterIdLst>
-    <p:notesMasterId r:id="rId18"/>
+    <p:notesMasterId r:id="rId24"/>
   </p:notesMasterIdLst>
   <p:sldIdLst>
     <p:sldId id="261" r:id="rId2"/>
@@ -23,7 +23,13 @@
     <p:sldId id="267" r:id="rId14"/>
     <p:sldId id="269" r:id="rId15"/>
     <p:sldId id="270" r:id="rId16"/>
-    <p:sldId id="271" r:id="rId17"/>
+    <p:sldId id="272" r:id="rId17"/>
+    <p:sldId id="271" r:id="rId18"/>
+    <p:sldId id="273" r:id="rId19"/>
+    <p:sldId id="274" r:id="rId20"/>
+    <p:sldId id="275" r:id="rId21"/>
+    <p:sldId id="276" r:id="rId22"/>
+    <p:sldId id="277" r:id="rId23"/>
   </p:sldIdLst>
   <p:sldSz cx="12192000" cy="6858000"/>
   <p:notesSz cx="6858000" cy="9144000"/>
@@ -476,6 +482,102 @@
 </file>
 
 <file path=ppt/notesSlides/notesSlide1.xml><?xml version="1.0" encoding="utf-8"?>
+<p:notes xmlns:a="http://schemas.openxmlformats.org/drawingml/2006/main" xmlns:r="http://schemas.openxmlformats.org/officeDocument/2006/relationships" xmlns:p="http://schemas.openxmlformats.org/presentationml/2006/main">
+  <p:cSld>
+    <p:spTree>
+      <p:nvGrpSpPr>
+        <p:cNvPr id="1" name=""/>
+        <p:cNvGrpSpPr/>
+        <p:nvPr/>
+      </p:nvGrpSpPr>
+      <p:grpSpPr>
+        <a:xfrm>
+          <a:off x="0" y="0"/>
+          <a:ext cx="0" cy="0"/>
+          <a:chOff x="0" y="0"/>
+          <a:chExt cx="0" cy="0"/>
+        </a:xfrm>
+      </p:grpSpPr>
+      <p:sp>
+        <p:nvSpPr>
+          <p:cNvPr id="2" name="Slide Image Placeholder 1"/>
+          <p:cNvSpPr>
+            <a:spLocks noGrp="1" noRot="1" noChangeAspect="1"/>
+          </p:cNvSpPr>
+          <p:nvPr>
+            <p:ph type="sldImg"/>
+          </p:nvPr>
+        </p:nvSpPr>
+        <p:spPr/>
+      </p:sp>
+      <p:sp>
+        <p:nvSpPr>
+          <p:cNvPr id="3" name="Notes Placeholder 2"/>
+          <p:cNvSpPr>
+            <a:spLocks noGrp="1"/>
+          </p:cNvSpPr>
+          <p:nvPr>
+            <p:ph type="body" idx="1"/>
+          </p:nvPr>
+        </p:nvSpPr>
+        <p:spPr/>
+        <p:txBody>
+          <a:bodyPr/>
+          <a:lstStyle/>
+          <a:p>
+            <a:r>
+              <a:rPr lang="en-US" dirty="0" smtClean="0"/>
+              <a:t>https://</a:t>
+            </a:r>
+            <a:r>
+              <a:rPr lang="en-US" dirty="0" err="1" smtClean="0"/>
+              <a:t>vimeo.com</a:t>
+            </a:r>
+            <a:r>
+              <a:rPr lang="en-US" dirty="0" smtClean="0"/>
+              <a:t>/1093745 – Swarm history</a:t>
+            </a:r>
+            <a:endParaRPr lang="en-US" dirty="0"/>
+          </a:p>
+        </p:txBody>
+      </p:sp>
+      <p:sp>
+        <p:nvSpPr>
+          <p:cNvPr id="4" name="Slide Number Placeholder 3"/>
+          <p:cNvSpPr>
+            <a:spLocks noGrp="1"/>
+          </p:cNvSpPr>
+          <p:nvPr>
+            <p:ph type="sldNum" sz="quarter" idx="10"/>
+          </p:nvPr>
+        </p:nvSpPr>
+        <p:spPr/>
+        <p:txBody>
+          <a:bodyPr/>
+          <a:lstStyle/>
+          <a:p>
+            <a:fld id="{EB036B3A-760A-4F47-923C-1D3C46903CCB}" type="slidenum">
+              <a:rPr lang="en-US" smtClean="0"/>
+              <a:t>7</a:t>
+            </a:fld>
+            <a:endParaRPr lang="en-US"/>
+          </a:p>
+        </p:txBody>
+      </p:sp>
+    </p:spTree>
+    <p:extLst>
+      <p:ext uri="{BB962C8B-B14F-4D97-AF65-F5344CB8AC3E}">
+        <p14:creationId xmlns:p14="http://schemas.microsoft.com/office/powerpoint/2010/main" val="697317996"/>
+      </p:ext>
+    </p:extLst>
+  </p:cSld>
+  <p:clrMapOvr>
+    <a:masterClrMapping/>
+  </p:clrMapOvr>
+</p:notes>
+</file>
+
+<file path=ppt/notesSlides/notesSlide2.xml><?xml version="1.0" encoding="utf-8"?>
 <p:notes xmlns:a="http://schemas.openxmlformats.org/drawingml/2006/main" xmlns:r="http://schemas.openxmlformats.org/officeDocument/2006/relationships" xmlns:p="http://schemas.openxmlformats.org/presentationml/2006/main">
   <p:cSld>
     <p:spTree>
@@ -7319,6 +7421,135 @@
           <a:p>
             <a:r>
               <a:rPr lang="en-US" dirty="0" smtClean="0"/>
+              <a:t>List operations</a:t>
+            </a:r>
+            <a:endParaRPr lang="en-US" dirty="0"/>
+          </a:p>
+        </p:txBody>
+      </p:sp>
+      <p:sp>
+        <p:nvSpPr>
+          <p:cNvPr id="3" name="Content Placeholder 2"/>
+          <p:cNvSpPr>
+            <a:spLocks noGrp="1"/>
+          </p:cNvSpPr>
+          <p:nvPr>
+            <p:ph idx="1"/>
+          </p:nvPr>
+        </p:nvSpPr>
+        <p:spPr/>
+        <p:txBody>
+          <a:bodyPr>
+            <a:normAutofit lnSpcReduction="10000"/>
+          </a:bodyPr>
+          <a:lstStyle/>
+          <a:p>
+            <a:r>
+              <a:rPr lang="en-US" dirty="0" smtClean="0"/>
+              <a:t>append</a:t>
+            </a:r>
+          </a:p>
+          <a:p>
+            <a:r>
+              <a:rPr lang="en-US" dirty="0" smtClean="0"/>
+              <a:t>count</a:t>
+            </a:r>
+          </a:p>
+          <a:p>
+            <a:r>
+              <a:rPr lang="en-US" dirty="0" smtClean="0"/>
+              <a:t>extend (+=)</a:t>
+            </a:r>
+          </a:p>
+          <a:p>
+            <a:r>
+              <a:rPr lang="en-US" dirty="0" smtClean="0"/>
+              <a:t>del – Removes item at specific index</a:t>
+            </a:r>
+          </a:p>
+          <a:p>
+            <a:r>
+              <a:rPr lang="en-US" dirty="0" smtClean="0"/>
+              <a:t>remove – Removes the first occurrence of an item</a:t>
+            </a:r>
+          </a:p>
+          <a:p>
+            <a:r>
+              <a:rPr lang="en-US" dirty="0" smtClean="0"/>
+              <a:t>pop</a:t>
+            </a:r>
+          </a:p>
+          <a:p>
+            <a:r>
+              <a:rPr lang="en-US" dirty="0" smtClean="0"/>
+              <a:t>index</a:t>
+            </a:r>
+          </a:p>
+          <a:p>
+            <a:r>
+              <a:rPr lang="en-US" dirty="0" smtClean="0"/>
+              <a:t>reverse</a:t>
+            </a:r>
+          </a:p>
+          <a:p>
+            <a:r>
+              <a:rPr lang="en-US" dirty="0" err="1" smtClean="0"/>
+              <a:t>len</a:t>
+            </a:r>
+            <a:endParaRPr lang="en-US" dirty="0" smtClean="0"/>
+          </a:p>
+          <a:p>
+            <a:endParaRPr lang="en-US" dirty="0"/>
+          </a:p>
+        </p:txBody>
+      </p:sp>
+    </p:spTree>
+    <p:extLst>
+      <p:ext uri="{BB962C8B-B14F-4D97-AF65-F5344CB8AC3E}">
+        <p14:creationId xmlns:p14="http://schemas.microsoft.com/office/powerpoint/2010/main" val="85845425"/>
+      </p:ext>
+    </p:extLst>
+  </p:cSld>
+  <p:clrMapOvr>
+    <a:masterClrMapping/>
+  </p:clrMapOvr>
+</p:sld>
+</file>
+
+<file path=ppt/slides/slide17.xml><?xml version="1.0" encoding="utf-8"?>
+<p:sld xmlns:a="http://schemas.openxmlformats.org/drawingml/2006/main" xmlns:r="http://schemas.openxmlformats.org/officeDocument/2006/relationships" xmlns:p="http://schemas.openxmlformats.org/presentationml/2006/main">
+  <p:cSld>
+    <p:spTree>
+      <p:nvGrpSpPr>
+        <p:cNvPr id="1" name=""/>
+        <p:cNvGrpSpPr/>
+        <p:nvPr/>
+      </p:nvGrpSpPr>
+      <p:grpSpPr>
+        <a:xfrm>
+          <a:off x="0" y="0"/>
+          <a:ext cx="0" cy="0"/>
+          <a:chOff x="0" y="0"/>
+          <a:chExt cx="0" cy="0"/>
+        </a:xfrm>
+      </p:grpSpPr>
+      <p:sp>
+        <p:nvSpPr>
+          <p:cNvPr id="2" name="Title 1"/>
+          <p:cNvSpPr>
+            <a:spLocks noGrp="1"/>
+          </p:cNvSpPr>
+          <p:nvPr>
+            <p:ph type="title"/>
+          </p:nvPr>
+        </p:nvSpPr>
+        <p:spPr/>
+        <p:txBody>
+          <a:bodyPr/>
+          <a:lstStyle/>
+          <a:p>
+            <a:r>
+              <a:rPr lang="en-US" dirty="0" smtClean="0"/>
               <a:t>Dictionaries</a:t>
             </a:r>
             <a:endParaRPr lang="en-US" dirty="0"/>
@@ -7363,6 +7594,84 @@
             <a:r>
               <a:rPr lang="en-US" dirty="0" smtClean="0"/>
               <a:t>[“2”]</a:t>
+            </a:r>
+          </a:p>
+          <a:p>
+            <a:r>
+              <a:rPr lang="en-US" dirty="0" err="1"/>
+              <a:t>dictI</a:t>
+            </a:r>
+            <a:r>
+              <a:rPr lang="en-US" dirty="0"/>
+              <a:t>[“2</a:t>
+            </a:r>
+            <a:r>
+              <a:rPr lang="en-US" dirty="0" smtClean="0"/>
+              <a:t>”] = “New”</a:t>
+            </a:r>
+          </a:p>
+          <a:p>
+            <a:r>
+              <a:rPr lang="en-US" dirty="0"/>
+              <a:t>for name in </a:t>
+            </a:r>
+            <a:r>
+              <a:rPr lang="en-US" dirty="0" err="1" smtClean="0"/>
+              <a:t>dictI.keys</a:t>
+            </a:r>
+            <a:r>
+              <a:rPr lang="en-US" dirty="0" smtClean="0"/>
+              <a:t>(): </a:t>
+            </a:r>
+            <a:br>
+              <a:rPr lang="en-US" dirty="0" smtClean="0"/>
+            </a:br>
+            <a:r>
+              <a:rPr lang="en-US" dirty="0" smtClean="0"/>
+              <a:t>    </a:t>
+            </a:r>
+            <a:r>
+              <a:rPr lang="en-US" dirty="0" err="1" smtClean="0"/>
+              <a:t>val</a:t>
+            </a:r>
+            <a:r>
+              <a:rPr lang="en-US" dirty="0" smtClean="0"/>
+              <a:t>= </a:t>
+            </a:r>
+            <a:r>
+              <a:rPr lang="en-US" dirty="0" err="1" smtClean="0"/>
+              <a:t>dictI</a:t>
+            </a:r>
+            <a:r>
+              <a:rPr lang="en-US" dirty="0" smtClean="0"/>
+              <a:t>[name</a:t>
+            </a:r>
+            <a:r>
+              <a:rPr lang="en-US" dirty="0"/>
+              <a:t>] </a:t>
+            </a:r>
+            <a:r>
+              <a:rPr lang="en-US" dirty="0" smtClean="0"/>
+              <a:t/>
+            </a:r>
+            <a:br>
+              <a:rPr lang="en-US" dirty="0" smtClean="0"/>
+            </a:br>
+            <a:r>
+              <a:rPr lang="en-US" dirty="0" smtClean="0"/>
+              <a:t>    print </a:t>
+            </a:r>
+            <a:r>
+              <a:rPr lang="en-US" dirty="0"/>
+              <a:t>name, "has </a:t>
+            </a:r>
+            <a:r>
+              <a:rPr lang="en-US" dirty="0" smtClean="0"/>
+              <a:t>value =", </a:t>
+            </a:r>
+            <a:r>
+              <a:rPr lang="en-US" dirty="0" err="1" smtClean="0"/>
+              <a:t>val</a:t>
             </a:r>
             <a:endParaRPr lang="en-US" dirty="0"/>
           </a:p>
@@ -7388,6 +7697,260 @@
 </p:sld>
 </file>
 
+<file path=ppt/slides/slide18.xml><?xml version="1.0" encoding="utf-8"?>
+<p:sld xmlns:a="http://schemas.openxmlformats.org/drawingml/2006/main" xmlns:r="http://schemas.openxmlformats.org/officeDocument/2006/relationships" xmlns:p="http://schemas.openxmlformats.org/presentationml/2006/main">
+  <p:cSld>
+    <p:spTree>
+      <p:nvGrpSpPr>
+        <p:cNvPr id="1" name=""/>
+        <p:cNvGrpSpPr/>
+        <p:nvPr/>
+      </p:nvGrpSpPr>
+      <p:grpSpPr>
+        <a:xfrm>
+          <a:off x="0" y="0"/>
+          <a:ext cx="0" cy="0"/>
+          <a:chOff x="0" y="0"/>
+          <a:chExt cx="0" cy="0"/>
+        </a:xfrm>
+      </p:grpSpPr>
+      <p:sp>
+        <p:nvSpPr>
+          <p:cNvPr id="2" name="Title 1"/>
+          <p:cNvSpPr>
+            <a:spLocks noGrp="1"/>
+          </p:cNvSpPr>
+          <p:nvPr>
+            <p:ph type="title"/>
+          </p:nvPr>
+        </p:nvSpPr>
+        <p:spPr/>
+        <p:txBody>
+          <a:bodyPr/>
+          <a:lstStyle/>
+          <a:p>
+            <a:r>
+              <a:rPr lang="en-US" dirty="0" smtClean="0"/>
+              <a:t>Slicing</a:t>
+            </a:r>
+            <a:endParaRPr lang="en-US" dirty="0"/>
+          </a:p>
+        </p:txBody>
+      </p:sp>
+      <p:sp>
+        <p:nvSpPr>
+          <p:cNvPr id="3" name="Content Placeholder 2"/>
+          <p:cNvSpPr>
+            <a:spLocks noGrp="1"/>
+          </p:cNvSpPr>
+          <p:nvPr>
+            <p:ph idx="1"/>
+          </p:nvPr>
+        </p:nvSpPr>
+        <p:spPr/>
+        <p:txBody>
+          <a:bodyPr/>
+          <a:lstStyle/>
+          <a:p>
+            <a:r>
+              <a:rPr lang="en-US" dirty="0" smtClean="0"/>
+              <a:t>a = “</a:t>
+            </a:r>
+            <a:r>
+              <a:rPr lang="en-US" dirty="0" err="1" smtClean="0"/>
+              <a:t>Abhiram</a:t>
+            </a:r>
+            <a:r>
+              <a:rPr lang="en-US" dirty="0" smtClean="0"/>
+              <a:t>”</a:t>
+            </a:r>
+          </a:p>
+          <a:p>
+            <a:r>
+              <a:rPr lang="en-US" dirty="0" smtClean="0"/>
+              <a:t>a[:1]</a:t>
+            </a:r>
+          </a:p>
+          <a:p>
+            <a:r>
+              <a:rPr lang="pt-BR" dirty="0"/>
+              <a:t>a[:-2</a:t>
+            </a:r>
+            <a:r>
+              <a:rPr lang="pt-BR" dirty="0" smtClean="0"/>
+              <a:t>]</a:t>
+            </a:r>
+          </a:p>
+          <a:p>
+            <a:r>
+              <a:rPr lang="pt-BR" dirty="0"/>
+              <a:t>a[-2</a:t>
+            </a:r>
+            <a:r>
+              <a:rPr lang="pt-BR" dirty="0" smtClean="0"/>
+              <a:t>:]</a:t>
+            </a:r>
+          </a:p>
+          <a:p>
+            <a:r>
+              <a:rPr lang="pt-BR" dirty="0"/>
+              <a:t>a[::-1</a:t>
+            </a:r>
+            <a:r>
+              <a:rPr lang="pt-BR" dirty="0" smtClean="0"/>
+              <a:t>]</a:t>
+            </a:r>
+          </a:p>
+          <a:p>
+            <a:r>
+              <a:rPr lang="pt-BR" dirty="0" smtClean="0"/>
+              <a:t>a[:]</a:t>
+            </a:r>
+            <a:endParaRPr lang="pt-BR" dirty="0"/>
+          </a:p>
+          <a:p>
+            <a:endParaRPr lang="en-US" dirty="0"/>
+          </a:p>
+        </p:txBody>
+      </p:sp>
+    </p:spTree>
+    <p:extLst>
+      <p:ext uri="{BB962C8B-B14F-4D97-AF65-F5344CB8AC3E}">
+        <p14:creationId xmlns:p14="http://schemas.microsoft.com/office/powerpoint/2010/main" val="2076748782"/>
+      </p:ext>
+    </p:extLst>
+  </p:cSld>
+  <p:clrMapOvr>
+    <a:masterClrMapping/>
+  </p:clrMapOvr>
+</p:sld>
+</file>
+
+<file path=ppt/slides/slide19.xml><?xml version="1.0" encoding="utf-8"?>
+<p:sld xmlns:a="http://schemas.openxmlformats.org/drawingml/2006/main" xmlns:r="http://schemas.openxmlformats.org/officeDocument/2006/relationships" xmlns:p="http://schemas.openxmlformats.org/presentationml/2006/main">
+  <p:cSld>
+    <p:spTree>
+      <p:nvGrpSpPr>
+        <p:cNvPr id="1" name=""/>
+        <p:cNvGrpSpPr/>
+        <p:nvPr/>
+      </p:nvGrpSpPr>
+      <p:grpSpPr>
+        <a:xfrm>
+          <a:off x="0" y="0"/>
+          <a:ext cx="0" cy="0"/>
+          <a:chOff x="0" y="0"/>
+          <a:chExt cx="0" cy="0"/>
+        </a:xfrm>
+      </p:grpSpPr>
+      <p:sp>
+        <p:nvSpPr>
+          <p:cNvPr id="2" name="Title 1"/>
+          <p:cNvSpPr>
+            <a:spLocks noGrp="1"/>
+          </p:cNvSpPr>
+          <p:nvPr>
+            <p:ph type="title"/>
+          </p:nvPr>
+        </p:nvSpPr>
+        <p:spPr/>
+        <p:txBody>
+          <a:bodyPr/>
+          <a:lstStyle/>
+          <a:p>
+            <a:r>
+              <a:rPr lang="en-US" dirty="0" smtClean="0"/>
+              <a:t>Functions</a:t>
+            </a:r>
+            <a:endParaRPr lang="en-US" dirty="0"/>
+          </a:p>
+        </p:txBody>
+      </p:sp>
+      <p:sp>
+        <p:nvSpPr>
+          <p:cNvPr id="3" name="Content Placeholder 2"/>
+          <p:cNvSpPr>
+            <a:spLocks noGrp="1"/>
+          </p:cNvSpPr>
+          <p:nvPr>
+            <p:ph idx="1"/>
+          </p:nvPr>
+        </p:nvSpPr>
+        <p:spPr/>
+        <p:txBody>
+          <a:bodyPr/>
+          <a:lstStyle/>
+          <a:p>
+            <a:r>
+              <a:rPr lang="en-US" dirty="0" err="1"/>
+              <a:t>def</a:t>
+            </a:r>
+            <a:r>
+              <a:rPr lang="en-US" dirty="0"/>
+              <a:t> hello(overload=None):    </a:t>
+            </a:r>
+            <a:r>
+              <a:rPr lang="en-US" dirty="0" smtClean="0"/>
+              <a:t/>
+            </a:r>
+            <a:br>
+              <a:rPr lang="en-US" dirty="0" smtClean="0"/>
+            </a:br>
+            <a:r>
+              <a:rPr lang="en-US" dirty="0" smtClean="0"/>
+              <a:t>    print </a:t>
+            </a:r>
+            <a:r>
+              <a:rPr lang="en-US" dirty="0"/>
+              <a:t>overload    </a:t>
+            </a:r>
+            <a:r>
+              <a:rPr lang="en-US" dirty="0" smtClean="0"/>
+              <a:t/>
+            </a:r>
+            <a:br>
+              <a:rPr lang="en-US" dirty="0" smtClean="0"/>
+            </a:br>
+            <a:r>
+              <a:rPr lang="en-US" dirty="0" smtClean="0"/>
+              <a:t>    print </a:t>
+            </a:r>
+            <a:r>
+              <a:rPr lang="en-US" dirty="0"/>
+              <a:t>"</a:t>
+            </a:r>
+            <a:r>
+              <a:rPr lang="en-US" dirty="0" smtClean="0"/>
+              <a:t>1”</a:t>
+            </a:r>
+          </a:p>
+          <a:p>
+            <a:r>
+              <a:rPr lang="en-US" dirty="0" smtClean="0"/>
+              <a:t>hello()</a:t>
+            </a:r>
+          </a:p>
+          <a:p>
+            <a:r>
+              <a:rPr lang="en-US" dirty="0" smtClean="0"/>
+              <a:t>hello(“Something”)</a:t>
+            </a:r>
+          </a:p>
+        </p:txBody>
+      </p:sp>
+    </p:spTree>
+    <p:extLst>
+      <p:ext uri="{BB962C8B-B14F-4D97-AF65-F5344CB8AC3E}">
+        <p14:creationId xmlns:p14="http://schemas.microsoft.com/office/powerpoint/2010/main" val="940945785"/>
+      </p:ext>
+    </p:extLst>
+  </p:cSld>
+  <p:clrMapOvr>
+    <a:masterClrMapping/>
+  </p:clrMapOvr>
+</p:sld>
+</file>
+
 <file path=ppt/slides/slide2.xml><?xml version="1.0" encoding="utf-8"?>
 <p:sld xmlns:a="http://schemas.openxmlformats.org/drawingml/2006/main" xmlns:r="http://schemas.openxmlformats.org/officeDocument/2006/relationships" xmlns:p="http://schemas.openxmlformats.org/presentationml/2006/main">
   <p:cSld>
@@ -7450,6 +8013,383 @@
       </p:par>
     </p:tnLst>
   </p:timing>
+</p:sld>
+</file>
+
+<file path=ppt/slides/slide20.xml><?xml version="1.0" encoding="utf-8"?>
+<p:sld xmlns:a="http://schemas.openxmlformats.org/drawingml/2006/main" xmlns:r="http://schemas.openxmlformats.org/officeDocument/2006/relationships" xmlns:p="http://schemas.openxmlformats.org/presentationml/2006/main">
+  <p:cSld>
+    <p:spTree>
+      <p:nvGrpSpPr>
+        <p:cNvPr id="1" name=""/>
+        <p:cNvGrpSpPr/>
+        <p:nvPr/>
+      </p:nvGrpSpPr>
+      <p:grpSpPr>
+        <a:xfrm>
+          <a:off x="0" y="0"/>
+          <a:ext cx="0" cy="0"/>
+          <a:chOff x="0" y="0"/>
+          <a:chExt cx="0" cy="0"/>
+        </a:xfrm>
+      </p:grpSpPr>
+      <p:sp>
+        <p:nvSpPr>
+          <p:cNvPr id="2" name="Title 1"/>
+          <p:cNvSpPr>
+            <a:spLocks noGrp="1"/>
+          </p:cNvSpPr>
+          <p:nvPr>
+            <p:ph type="title"/>
+          </p:nvPr>
+        </p:nvSpPr>
+        <p:spPr/>
+        <p:txBody>
+          <a:bodyPr/>
+          <a:lstStyle/>
+          <a:p>
+            <a:r>
+              <a:rPr lang="en-US" dirty="0" smtClean="0"/>
+              <a:t>String functions</a:t>
+            </a:r>
+            <a:endParaRPr lang="en-US" dirty="0"/>
+          </a:p>
+        </p:txBody>
+      </p:sp>
+      <p:sp>
+        <p:nvSpPr>
+          <p:cNvPr id="3" name="Content Placeholder 2"/>
+          <p:cNvSpPr>
+            <a:spLocks noGrp="1"/>
+          </p:cNvSpPr>
+          <p:nvPr>
+            <p:ph idx="1"/>
+          </p:nvPr>
+        </p:nvSpPr>
+        <p:spPr/>
+        <p:txBody>
+          <a:bodyPr/>
+          <a:lstStyle/>
+          <a:p>
+            <a:r>
+              <a:rPr lang="en-US" dirty="0" smtClean="0"/>
+              <a:t>capitalize</a:t>
+            </a:r>
+          </a:p>
+          <a:p>
+            <a:r>
+              <a:rPr lang="en-US" dirty="0" err="1" smtClean="0"/>
+              <a:t>len</a:t>
+            </a:r>
+            <a:endParaRPr lang="en-US" dirty="0" smtClean="0"/>
+          </a:p>
+          <a:p>
+            <a:r>
+              <a:rPr lang="en-US" dirty="0" smtClean="0"/>
+              <a:t>lower</a:t>
+            </a:r>
+          </a:p>
+          <a:p>
+            <a:r>
+              <a:rPr lang="en-US" dirty="0" smtClean="0"/>
+              <a:t>upper</a:t>
+            </a:r>
+          </a:p>
+          <a:p>
+            <a:r>
+              <a:rPr lang="en-US" dirty="0" smtClean="0"/>
+              <a:t>strip([chars])</a:t>
+            </a:r>
+          </a:p>
+          <a:p>
+            <a:r>
+              <a:rPr lang="en-US" dirty="0" smtClean="0"/>
+              <a:t>split(’delimiter’)</a:t>
+            </a:r>
+            <a:endParaRPr lang="en-US" dirty="0"/>
+          </a:p>
+        </p:txBody>
+      </p:sp>
+    </p:spTree>
+    <p:extLst>
+      <p:ext uri="{BB962C8B-B14F-4D97-AF65-F5344CB8AC3E}">
+        <p14:creationId xmlns:p14="http://schemas.microsoft.com/office/powerpoint/2010/main" val="1248455589"/>
+      </p:ext>
+    </p:extLst>
+  </p:cSld>
+  <p:clrMapOvr>
+    <a:masterClrMapping/>
+  </p:clrMapOvr>
+</p:sld>
+</file>
+
+<file path=ppt/slides/slide21.xml><?xml version="1.0" encoding="utf-8"?>
+<p:sld xmlns:a="http://schemas.openxmlformats.org/drawingml/2006/main" xmlns:r="http://schemas.openxmlformats.org/officeDocument/2006/relationships" xmlns:p="http://schemas.openxmlformats.org/presentationml/2006/main">
+  <p:cSld>
+    <p:spTree>
+      <p:nvGrpSpPr>
+        <p:cNvPr id="1" name=""/>
+        <p:cNvGrpSpPr/>
+        <p:nvPr/>
+      </p:nvGrpSpPr>
+      <p:grpSpPr>
+        <a:xfrm>
+          <a:off x="0" y="0"/>
+          <a:ext cx="0" cy="0"/>
+          <a:chOff x="0" y="0"/>
+          <a:chExt cx="0" cy="0"/>
+        </a:xfrm>
+      </p:grpSpPr>
+      <p:sp>
+        <p:nvSpPr>
+          <p:cNvPr id="2" name="Title 1"/>
+          <p:cNvSpPr>
+            <a:spLocks noGrp="1"/>
+          </p:cNvSpPr>
+          <p:nvPr>
+            <p:ph type="title"/>
+          </p:nvPr>
+        </p:nvSpPr>
+        <p:spPr/>
+        <p:txBody>
+          <a:bodyPr/>
+          <a:lstStyle/>
+          <a:p>
+            <a:r>
+              <a:rPr lang="en-US" dirty="0" smtClean="0"/>
+              <a:t>List comprehensions</a:t>
+            </a:r>
+            <a:endParaRPr lang="en-US" dirty="0"/>
+          </a:p>
+        </p:txBody>
+      </p:sp>
+      <p:sp>
+        <p:nvSpPr>
+          <p:cNvPr id="3" name="Content Placeholder 2"/>
+          <p:cNvSpPr>
+            <a:spLocks noGrp="1"/>
+          </p:cNvSpPr>
+          <p:nvPr>
+            <p:ph idx="1"/>
+          </p:nvPr>
+        </p:nvSpPr>
+        <p:spPr/>
+        <p:txBody>
+          <a:bodyPr/>
+          <a:lstStyle/>
+          <a:p>
+            <a:r>
+              <a:rPr lang="en-US" dirty="0" smtClean="0"/>
+              <a:t>li = [ x for x in range(11)]</a:t>
+            </a:r>
+          </a:p>
+          <a:p>
+            <a:r>
+              <a:rPr lang="en-US" dirty="0"/>
+              <a:t>words = 'The quick brown fox jumps over the lazy </a:t>
+            </a:r>
+            <a:r>
+              <a:rPr lang="en-US" dirty="0" err="1"/>
+              <a:t>dog'.split</a:t>
+            </a:r>
+            <a:r>
+              <a:rPr lang="en-US" dirty="0" smtClean="0"/>
+              <a:t>()</a:t>
+            </a:r>
+          </a:p>
+          <a:p>
+            <a:r>
+              <a:rPr lang="en-US" dirty="0"/>
+              <a:t>stuff = [[</a:t>
+            </a:r>
+            <a:r>
+              <a:rPr lang="en-US" dirty="0" err="1"/>
+              <a:t>w.upper</a:t>
+            </a:r>
+            <a:r>
+              <a:rPr lang="en-US" dirty="0"/>
+              <a:t>(), </a:t>
+            </a:r>
+            <a:r>
+              <a:rPr lang="en-US" dirty="0" err="1"/>
+              <a:t>w.lower</a:t>
+            </a:r>
+            <a:r>
+              <a:rPr lang="en-US" dirty="0"/>
+              <a:t>(), </a:t>
+            </a:r>
+            <a:r>
+              <a:rPr lang="en-US" dirty="0" err="1"/>
+              <a:t>len</a:t>
+            </a:r>
+            <a:r>
+              <a:rPr lang="en-US" dirty="0"/>
+              <a:t>(w)] for w in words</a:t>
+            </a:r>
+            <a:r>
+              <a:rPr lang="en-US" dirty="0" smtClean="0"/>
+              <a:t>]</a:t>
+            </a:r>
+          </a:p>
+          <a:p>
+            <a:r>
+              <a:rPr lang="en-US" dirty="0"/>
+              <a:t>for </a:t>
+            </a:r>
+            <a:r>
+              <a:rPr lang="en-US" dirty="0" err="1"/>
+              <a:t>i</a:t>
+            </a:r>
+            <a:r>
+              <a:rPr lang="en-US" dirty="0"/>
+              <a:t> in stuff</a:t>
+            </a:r>
+            <a:r>
+              <a:rPr lang="en-US" dirty="0" smtClean="0"/>
+              <a:t>:</a:t>
+            </a:r>
+            <a:r>
+              <a:rPr lang="en-US" dirty="0"/>
+              <a:t/>
+            </a:r>
+            <a:br>
+              <a:rPr lang="en-US" dirty="0"/>
+            </a:br>
+            <a:r>
+              <a:rPr lang="en-US" dirty="0" smtClean="0"/>
+              <a:t>    print </a:t>
+            </a:r>
+            <a:r>
+              <a:rPr lang="en-US" dirty="0" err="1" smtClean="0"/>
+              <a:t>i</a:t>
+            </a:r>
+            <a:endParaRPr lang="en-US" dirty="0" smtClean="0"/>
+          </a:p>
+        </p:txBody>
+      </p:sp>
+    </p:spTree>
+    <p:extLst>
+      <p:ext uri="{BB962C8B-B14F-4D97-AF65-F5344CB8AC3E}">
+        <p14:creationId xmlns:p14="http://schemas.microsoft.com/office/powerpoint/2010/main" val="186726875"/>
+      </p:ext>
+    </p:extLst>
+  </p:cSld>
+  <p:clrMapOvr>
+    <a:masterClrMapping/>
+  </p:clrMapOvr>
+</p:sld>
+</file>
+
+<file path=ppt/slides/slide22.xml><?xml version="1.0" encoding="utf-8"?>
+<p:sld xmlns:a="http://schemas.openxmlformats.org/drawingml/2006/main" xmlns:r="http://schemas.openxmlformats.org/officeDocument/2006/relationships" xmlns:p="http://schemas.openxmlformats.org/presentationml/2006/main">
+  <p:cSld>
+    <p:spTree>
+      <p:nvGrpSpPr>
+        <p:cNvPr id="1" name=""/>
+        <p:cNvGrpSpPr/>
+        <p:nvPr/>
+      </p:nvGrpSpPr>
+      <p:grpSpPr>
+        <a:xfrm>
+          <a:off x="0" y="0"/>
+          <a:ext cx="0" cy="0"/>
+          <a:chOff x="0" y="0"/>
+          <a:chExt cx="0" cy="0"/>
+        </a:xfrm>
+      </p:grpSpPr>
+      <p:sp>
+        <p:nvSpPr>
+          <p:cNvPr id="2" name="Title 1"/>
+          <p:cNvSpPr>
+            <a:spLocks noGrp="1"/>
+          </p:cNvSpPr>
+          <p:nvPr>
+            <p:ph type="title"/>
+          </p:nvPr>
+        </p:nvSpPr>
+        <p:spPr/>
+        <p:txBody>
+          <a:bodyPr/>
+          <a:lstStyle/>
+          <a:p>
+            <a:r>
+              <a:rPr lang="en-US" dirty="0" smtClean="0"/>
+              <a:t>Resources</a:t>
+            </a:r>
+            <a:endParaRPr lang="en-US" dirty="0"/>
+          </a:p>
+        </p:txBody>
+      </p:sp>
+      <p:sp>
+        <p:nvSpPr>
+          <p:cNvPr id="3" name="Content Placeholder 2"/>
+          <p:cNvSpPr>
+            <a:spLocks noGrp="1"/>
+          </p:cNvSpPr>
+          <p:nvPr>
+            <p:ph idx="1"/>
+          </p:nvPr>
+        </p:nvSpPr>
+        <p:spPr/>
+        <p:txBody>
+          <a:bodyPr/>
+          <a:lstStyle/>
+          <a:p>
+            <a:r>
+              <a:rPr lang="en-US" dirty="0" smtClean="0"/>
+              <a:t>Jeff </a:t>
+            </a:r>
+            <a:r>
+              <a:rPr lang="en-US" dirty="0" err="1" smtClean="0"/>
+              <a:t>Knupp</a:t>
+            </a:r>
+            <a:endParaRPr lang="en-US" dirty="0" smtClean="0"/>
+          </a:p>
+          <a:p>
+            <a:r>
+              <a:rPr lang="en-US" dirty="0" smtClean="0"/>
+              <a:t>Stack Overflow (tag – python)</a:t>
+            </a:r>
+          </a:p>
+          <a:p>
+            <a:r>
+              <a:rPr lang="en-US" dirty="0" smtClean="0"/>
+              <a:t>These slides and the </a:t>
+            </a:r>
+            <a:r>
+              <a:rPr lang="en-US" dirty="0" err="1" smtClean="0"/>
+              <a:t>iPython</a:t>
+            </a:r>
+            <a:r>
+              <a:rPr lang="en-US" dirty="0" smtClean="0"/>
+              <a:t> notebook are up on – </a:t>
+            </a:r>
+            <a:r>
+              <a:rPr lang="en-US" dirty="0" smtClean="0">
+                <a:hlinkClick r:id="rId2"/>
+              </a:rPr>
+              <a:t>https</a:t>
+            </a:r>
+            <a:r>
+              <a:rPr lang="en-US" dirty="0">
+                <a:hlinkClick r:id="rId2"/>
+              </a:rPr>
+              <a:t>://github.com/abhiii5459/Talks/tree/master/April_2017/Devopedia_Apr22</a:t>
+            </a:r>
+            <a:endParaRPr lang="en-US" dirty="0"/>
+          </a:p>
+        </p:txBody>
+      </p:sp>
+    </p:spTree>
+    <p:extLst>
+      <p:ext uri="{BB962C8B-B14F-4D97-AF65-F5344CB8AC3E}">
+        <p14:creationId xmlns:p14="http://schemas.microsoft.com/office/powerpoint/2010/main" val="607430851"/>
+      </p:ext>
+    </p:extLst>
+  </p:cSld>
+  <p:clrMapOvr>
+    <a:masterClrMapping/>
+  </p:clrMapOvr>
 </p:sld>
 </file>
 
@@ -7849,12 +8789,8 @@
           <a:lstStyle/>
           <a:p>
             <a:r>
-              <a:rPr lang="en-US" smtClean="0"/>
-              <a:t>Hisstory</a:t>
-            </a:r>
-            <a:r>
-              <a:rPr lang="en-US" dirty="0" smtClean="0"/>
-              <a:t> of Python </a:t>
+              <a:rPr lang="en-US" dirty="0" smtClean="0"/>
+              <a:t>Hisstory of Python </a:t>
             </a:r>
             <a:endParaRPr lang="en-US" dirty="0"/>
           </a:p>
@@ -7982,13 +8918,13 @@
             </a:br>
             <a:r>
               <a:rPr lang="en-US" dirty="0" smtClean="0">
-                <a:hlinkClick r:id="rId2"/>
+                <a:hlinkClick r:id="rId3"/>
               </a:rPr>
               <a:t>https</a:t>
             </a:r>
             <a:r>
               <a:rPr lang="en-US" dirty="0">
-                <a:hlinkClick r:id="rId2"/>
+                <a:hlinkClick r:id="rId3"/>
               </a:rPr>
               <a:t>://pythonclock.org/</a:t>
             </a:r>

--- a/April_2017/Devopedia_Apr22/Python Talk.pptx
+++ b/April_2017/Devopedia_Apr22/Python Talk.pptx
@@ -8314,7 +8314,7 @@
           <a:p>
             <a:r>
               <a:rPr lang="en-US" dirty="0" smtClean="0"/>
-              <a:t>Resources</a:t>
+              <a:t>Resources &amp; Contact</a:t>
             </a:r>
             <a:endParaRPr lang="en-US" dirty="0"/>
           </a:p>
@@ -8350,6 +8350,13 @@
               <a:rPr lang="en-US" dirty="0" smtClean="0"/>
               <a:t>Stack Overflow (tag – python)</a:t>
             </a:r>
+          </a:p>
+          <a:p>
+            <a:r>
+              <a:rPr lang="en-US" dirty="0" err="1" smtClean="0"/>
+              <a:t>ProjectEuler</a:t>
+            </a:r>
+            <a:endParaRPr lang="en-US" dirty="0" smtClean="0"/>
           </a:p>
           <a:p>
             <a:r>
@@ -8374,7 +8381,38 @@
               <a:rPr lang="en-US" dirty="0">
                 <a:hlinkClick r:id="rId2"/>
               </a:rPr>
-              <a:t>://github.com/abhiii5459/Talks/tree/master/April_2017/Devopedia_Apr22</a:t>
+              <a:t>://</a:t>
+            </a:r>
+            <a:r>
+              <a:rPr lang="en-US" dirty="0" smtClean="0">
+                <a:hlinkClick r:id="rId2"/>
+              </a:rPr>
+              <a:t>github.com/abhiii5459/Talks/tree/master/April_2017/Devopedia_Apr22</a:t>
+            </a:r>
+            <a:endParaRPr lang="en-US" dirty="0" smtClean="0"/>
+          </a:p>
+          <a:p>
+            <a:r>
+              <a:rPr lang="en-US" dirty="0"/>
+              <a:t>__</a:t>
+            </a:r>
+            <a:r>
+              <a:rPr lang="en-US" dirty="0" err="1"/>
+              <a:t>abhiram</a:t>
+            </a:r>
+            <a:r>
+              <a:rPr lang="en-US" dirty="0"/>
+              <a:t>__ on Twitter</a:t>
+            </a:r>
+          </a:p>
+          <a:p>
+            <a:r>
+              <a:rPr lang="en-US" dirty="0" smtClean="0"/>
+              <a:t>abhiii5459 on </a:t>
+            </a:r>
+            <a:r>
+              <a:rPr lang="en-US" dirty="0" err="1" smtClean="0"/>
+              <a:t>Github</a:t>
             </a:r>
             <a:endParaRPr lang="en-US" dirty="0"/>
           </a:p>
@@ -8531,15 +8569,7 @@
             </a:r>
           </a:p>
           <a:p>
-            <a:r>
-              <a:rPr lang="en-US" dirty="0" smtClean="0"/>
-              <a:t>abhiii5459 on </a:t>
-            </a:r>
-            <a:r>
-              <a:rPr lang="en-US" dirty="0" err="1" smtClean="0"/>
-              <a:t>Github</a:t>
-            </a:r>
-            <a:endParaRPr lang="en-US" dirty="0"/>
+            <a:endParaRPr lang="en-US" dirty="0" smtClean="0"/>
           </a:p>
         </p:txBody>
       </p:sp>
